--- a/presentation/presentation.pptx
+++ b/presentation/presentation.pptx
@@ -1,9 +1,12 @@
 
 <file path=ppt/presentation.xml><?xml version="1.0" encoding="utf-8"?>
-<p:presentation xmlns:a="http://schemas.openxmlformats.org/drawingml/2006/main" xmlns:r="http://schemas.openxmlformats.org/officeDocument/2006/relationships" xmlns:p="http://schemas.openxmlformats.org/presentationml/2006/main" saveSubsetFonts="1">
+<p:presentation xmlns:a="http://schemas.openxmlformats.org/drawingml/2006/main" xmlns:r="http://schemas.openxmlformats.org/officeDocument/2006/relationships" xmlns:p="http://schemas.openxmlformats.org/presentationml/2006/main" firstSlideNum="0" showSpecialPlsOnTitleSld="0" saveSubsetFonts="1">
   <p:sldMasterIdLst>
     <p:sldMasterId id="2147483660" r:id="rId1"/>
   </p:sldMasterIdLst>
+  <p:notesMasterIdLst>
+    <p:notesMasterId r:id="rId10"/>
+  </p:notesMasterIdLst>
   <p:sldIdLst>
     <p:sldId id="256" r:id="rId2"/>
     <p:sldId id="257" r:id="rId3"/>
@@ -119,6 +122,356 @@
 </p:presentation>
 </file>
 
+<file path=ppt/notesMasters/notesMaster1.xml><?xml version="1.0" encoding="utf-8"?>
+<p:notesMaster xmlns:a="http://schemas.openxmlformats.org/drawingml/2006/main" xmlns:r="http://schemas.openxmlformats.org/officeDocument/2006/relationships" xmlns:p="http://schemas.openxmlformats.org/presentationml/2006/main">
+  <p:cSld>
+    <p:bg>
+      <p:bgRef idx="1001">
+        <a:schemeClr val="bg1"/>
+      </p:bgRef>
+    </p:bg>
+    <p:spTree>
+      <p:nvGrpSpPr>
+        <p:cNvPr id="1" name=""/>
+        <p:cNvGrpSpPr/>
+        <p:nvPr/>
+      </p:nvGrpSpPr>
+      <p:grpSpPr>
+        <a:xfrm>
+          <a:off x="0" y="0"/>
+          <a:ext cx="0" cy="0"/>
+          <a:chOff x="0" y="0"/>
+          <a:chExt cx="0" cy="0"/>
+        </a:xfrm>
+      </p:grpSpPr>
+      <p:sp>
+        <p:nvSpPr>
+          <p:cNvPr id="2" name="Espace réservé de l'en-tête 1"/>
+          <p:cNvSpPr>
+            <a:spLocks noGrp="1"/>
+          </p:cNvSpPr>
+          <p:nvPr>
+            <p:ph type="hdr" sz="quarter"/>
+          </p:nvPr>
+        </p:nvSpPr>
+        <p:spPr>
+          <a:xfrm>
+            <a:off x="0" y="0"/>
+            <a:ext cx="2971800" cy="458788"/>
+          </a:xfrm>
+          <a:prstGeom prst="rect">
+            <a:avLst/>
+          </a:prstGeom>
+        </p:spPr>
+        <p:txBody>
+          <a:bodyPr vert="horz" lIns="91440" tIns="45720" rIns="91440" bIns="45720" rtlCol="0"/>
+          <a:lstStyle>
+            <a:lvl1pPr algn="l">
+              <a:defRPr sz="1200"/>
+            </a:lvl1pPr>
+          </a:lstStyle>
+          <a:p>
+            <a:endParaRPr lang="fr-CH"/>
+          </a:p>
+        </p:txBody>
+      </p:sp>
+      <p:sp>
+        <p:nvSpPr>
+          <p:cNvPr id="3" name="Espace réservé de la date 2"/>
+          <p:cNvSpPr>
+            <a:spLocks noGrp="1"/>
+          </p:cNvSpPr>
+          <p:nvPr>
+            <p:ph type="dt" idx="1"/>
+          </p:nvPr>
+        </p:nvSpPr>
+        <p:spPr>
+          <a:xfrm>
+            <a:off x="3884613" y="0"/>
+            <a:ext cx="2971800" cy="458788"/>
+          </a:xfrm>
+          <a:prstGeom prst="rect">
+            <a:avLst/>
+          </a:prstGeom>
+        </p:spPr>
+        <p:txBody>
+          <a:bodyPr vert="horz" lIns="91440" tIns="45720" rIns="91440" bIns="45720" rtlCol="0"/>
+          <a:lstStyle>
+            <a:lvl1pPr algn="r">
+              <a:defRPr sz="1200"/>
+            </a:lvl1pPr>
+          </a:lstStyle>
+          <a:p>
+            <a:fld id="{50B37035-74E7-4F5B-9019-FD0D100CA265}" type="datetimeFigureOut">
+              <a:rPr lang="fr-CH" smtClean="0"/>
+              <a:t>12.04.2018</a:t>
+            </a:fld>
+            <a:endParaRPr lang="fr-CH"/>
+          </a:p>
+        </p:txBody>
+      </p:sp>
+      <p:sp>
+        <p:nvSpPr>
+          <p:cNvPr id="4" name="Espace réservé de l'image des diapositives 3"/>
+          <p:cNvSpPr>
+            <a:spLocks noGrp="1" noRot="1" noChangeAspect="1"/>
+          </p:cNvSpPr>
+          <p:nvPr>
+            <p:ph type="sldImg" idx="2"/>
+          </p:nvPr>
+        </p:nvSpPr>
+        <p:spPr>
+          <a:xfrm>
+            <a:off x="685800" y="1143000"/>
+            <a:ext cx="5486400" cy="3086100"/>
+          </a:xfrm>
+          <a:prstGeom prst="rect">
+            <a:avLst/>
+          </a:prstGeom>
+          <a:noFill/>
+          <a:ln w="12700">
+            <a:solidFill>
+              <a:prstClr val="black"/>
+            </a:solidFill>
+          </a:ln>
+        </p:spPr>
+        <p:txBody>
+          <a:bodyPr vert="horz" lIns="91440" tIns="45720" rIns="91440" bIns="45720" rtlCol="0" anchor="ctr"/>
+          <a:lstStyle/>
+          <a:p>
+            <a:endParaRPr lang="fr-CH"/>
+          </a:p>
+        </p:txBody>
+      </p:sp>
+      <p:sp>
+        <p:nvSpPr>
+          <p:cNvPr id="5" name="Espace réservé des notes 4"/>
+          <p:cNvSpPr>
+            <a:spLocks noGrp="1"/>
+          </p:cNvSpPr>
+          <p:nvPr>
+            <p:ph type="body" sz="quarter" idx="3"/>
+          </p:nvPr>
+        </p:nvSpPr>
+        <p:spPr>
+          <a:xfrm>
+            <a:off x="685800" y="4400550"/>
+            <a:ext cx="5486400" cy="3600450"/>
+          </a:xfrm>
+          <a:prstGeom prst="rect">
+            <a:avLst/>
+          </a:prstGeom>
+        </p:spPr>
+        <p:txBody>
+          <a:bodyPr vert="horz" lIns="91440" tIns="45720" rIns="91440" bIns="45720" rtlCol="0"/>
+          <a:lstStyle/>
+          <a:p>
+            <a:pPr lvl="0"/>
+            <a:r>
+              <a:rPr lang="fr-FR" smtClean="0"/>
+              <a:t>Modifier les styles du texte du masque</a:t>
+            </a:r>
+          </a:p>
+          <a:p>
+            <a:pPr lvl="1"/>
+            <a:r>
+              <a:rPr lang="fr-FR" smtClean="0"/>
+              <a:t>Deuxième niveau</a:t>
+            </a:r>
+          </a:p>
+          <a:p>
+            <a:pPr lvl="2"/>
+            <a:r>
+              <a:rPr lang="fr-FR" smtClean="0"/>
+              <a:t>Troisième niveau</a:t>
+            </a:r>
+          </a:p>
+          <a:p>
+            <a:pPr lvl="3"/>
+            <a:r>
+              <a:rPr lang="fr-FR" smtClean="0"/>
+              <a:t>Quatrième niveau</a:t>
+            </a:r>
+          </a:p>
+          <a:p>
+            <a:pPr lvl="4"/>
+            <a:r>
+              <a:rPr lang="fr-FR" smtClean="0"/>
+              <a:t>Cinquième niveau</a:t>
+            </a:r>
+            <a:endParaRPr lang="fr-CH"/>
+          </a:p>
+        </p:txBody>
+      </p:sp>
+      <p:sp>
+        <p:nvSpPr>
+          <p:cNvPr id="6" name="Espace réservé du pied de page 5"/>
+          <p:cNvSpPr>
+            <a:spLocks noGrp="1"/>
+          </p:cNvSpPr>
+          <p:nvPr>
+            <p:ph type="ftr" sz="quarter" idx="4"/>
+          </p:nvPr>
+        </p:nvSpPr>
+        <p:spPr>
+          <a:xfrm>
+            <a:off x="0" y="8685213"/>
+            <a:ext cx="2971800" cy="458787"/>
+          </a:xfrm>
+          <a:prstGeom prst="rect">
+            <a:avLst/>
+          </a:prstGeom>
+        </p:spPr>
+        <p:txBody>
+          <a:bodyPr vert="horz" lIns="91440" tIns="45720" rIns="91440" bIns="45720" rtlCol="0" anchor="b"/>
+          <a:lstStyle>
+            <a:lvl1pPr algn="l">
+              <a:defRPr sz="1200"/>
+            </a:lvl1pPr>
+          </a:lstStyle>
+          <a:p>
+            <a:endParaRPr lang="fr-CH"/>
+          </a:p>
+        </p:txBody>
+      </p:sp>
+      <p:sp>
+        <p:nvSpPr>
+          <p:cNvPr id="7" name="Espace réservé du numéro de diapositive 6"/>
+          <p:cNvSpPr>
+            <a:spLocks noGrp="1"/>
+          </p:cNvSpPr>
+          <p:nvPr>
+            <p:ph type="sldNum" sz="quarter" idx="5"/>
+          </p:nvPr>
+        </p:nvSpPr>
+        <p:spPr>
+          <a:xfrm>
+            <a:off x="3884613" y="8685213"/>
+            <a:ext cx="2971800" cy="458787"/>
+          </a:xfrm>
+          <a:prstGeom prst="rect">
+            <a:avLst/>
+          </a:prstGeom>
+        </p:spPr>
+        <p:txBody>
+          <a:bodyPr vert="horz" lIns="91440" tIns="45720" rIns="91440" bIns="45720" rtlCol="0" anchor="b"/>
+          <a:lstStyle>
+            <a:lvl1pPr algn="r">
+              <a:defRPr sz="1200"/>
+            </a:lvl1pPr>
+          </a:lstStyle>
+          <a:p>
+            <a:fld id="{12308ADA-4411-45E5-BB8C-82774C208880}" type="slidenum">
+              <a:rPr lang="fr-CH" smtClean="0"/>
+              <a:t>‹N°›</a:t>
+            </a:fld>
+            <a:endParaRPr lang="fr-CH"/>
+          </a:p>
+        </p:txBody>
+      </p:sp>
+    </p:spTree>
+    <p:extLst>
+      <p:ext uri="{BB962C8B-B14F-4D97-AF65-F5344CB8AC3E}">
+        <p14:creationId xmlns:p14="http://schemas.microsoft.com/office/powerpoint/2010/main" val="2097056442"/>
+      </p:ext>
+    </p:extLst>
+  </p:cSld>
+  <p:clrMap bg1="lt1" tx1="dk1" bg2="lt2" tx2="dk2" accent1="accent1" accent2="accent2" accent3="accent3" accent4="accent4" accent5="accent5" accent6="accent6" hlink="hlink" folHlink="folHlink"/>
+  <p:notesStyle>
+    <a:lvl1pPr marL="0" algn="l" defTabSz="914400" rtl="0" eaLnBrk="1" latinLnBrk="0" hangingPunct="1">
+      <a:defRPr sz="1200" kern="1200">
+        <a:solidFill>
+          <a:schemeClr val="tx1"/>
+        </a:solidFill>
+        <a:latin typeface="+mn-lt"/>
+        <a:ea typeface="+mn-ea"/>
+        <a:cs typeface="+mn-cs"/>
+      </a:defRPr>
+    </a:lvl1pPr>
+    <a:lvl2pPr marL="457200" algn="l" defTabSz="914400" rtl="0" eaLnBrk="1" latinLnBrk="0" hangingPunct="1">
+      <a:defRPr sz="1200" kern="1200">
+        <a:solidFill>
+          <a:schemeClr val="tx1"/>
+        </a:solidFill>
+        <a:latin typeface="+mn-lt"/>
+        <a:ea typeface="+mn-ea"/>
+        <a:cs typeface="+mn-cs"/>
+      </a:defRPr>
+    </a:lvl2pPr>
+    <a:lvl3pPr marL="914400" algn="l" defTabSz="914400" rtl="0" eaLnBrk="1" latinLnBrk="0" hangingPunct="1">
+      <a:defRPr sz="1200" kern="1200">
+        <a:solidFill>
+          <a:schemeClr val="tx1"/>
+        </a:solidFill>
+        <a:latin typeface="+mn-lt"/>
+        <a:ea typeface="+mn-ea"/>
+        <a:cs typeface="+mn-cs"/>
+      </a:defRPr>
+    </a:lvl3pPr>
+    <a:lvl4pPr marL="1371600" algn="l" defTabSz="914400" rtl="0" eaLnBrk="1" latinLnBrk="0" hangingPunct="1">
+      <a:defRPr sz="1200" kern="1200">
+        <a:solidFill>
+          <a:schemeClr val="tx1"/>
+        </a:solidFill>
+        <a:latin typeface="+mn-lt"/>
+        <a:ea typeface="+mn-ea"/>
+        <a:cs typeface="+mn-cs"/>
+      </a:defRPr>
+    </a:lvl4pPr>
+    <a:lvl5pPr marL="1828800" algn="l" defTabSz="914400" rtl="0" eaLnBrk="1" latinLnBrk="0" hangingPunct="1">
+      <a:defRPr sz="1200" kern="1200">
+        <a:solidFill>
+          <a:schemeClr val="tx1"/>
+        </a:solidFill>
+        <a:latin typeface="+mn-lt"/>
+        <a:ea typeface="+mn-ea"/>
+        <a:cs typeface="+mn-cs"/>
+      </a:defRPr>
+    </a:lvl5pPr>
+    <a:lvl6pPr marL="2286000" algn="l" defTabSz="914400" rtl="0" eaLnBrk="1" latinLnBrk="0" hangingPunct="1">
+      <a:defRPr sz="1200" kern="1200">
+        <a:solidFill>
+          <a:schemeClr val="tx1"/>
+        </a:solidFill>
+        <a:latin typeface="+mn-lt"/>
+        <a:ea typeface="+mn-ea"/>
+        <a:cs typeface="+mn-cs"/>
+      </a:defRPr>
+    </a:lvl6pPr>
+    <a:lvl7pPr marL="2743200" algn="l" defTabSz="914400" rtl="0" eaLnBrk="1" latinLnBrk="0" hangingPunct="1">
+      <a:defRPr sz="1200" kern="1200">
+        <a:solidFill>
+          <a:schemeClr val="tx1"/>
+        </a:solidFill>
+        <a:latin typeface="+mn-lt"/>
+        <a:ea typeface="+mn-ea"/>
+        <a:cs typeface="+mn-cs"/>
+      </a:defRPr>
+    </a:lvl7pPr>
+    <a:lvl8pPr marL="3200400" algn="l" defTabSz="914400" rtl="0" eaLnBrk="1" latinLnBrk="0" hangingPunct="1">
+      <a:defRPr sz="1200" kern="1200">
+        <a:solidFill>
+          <a:schemeClr val="tx1"/>
+        </a:solidFill>
+        <a:latin typeface="+mn-lt"/>
+        <a:ea typeface="+mn-ea"/>
+        <a:cs typeface="+mn-cs"/>
+      </a:defRPr>
+    </a:lvl8pPr>
+    <a:lvl9pPr marL="3657600" algn="l" defTabSz="914400" rtl="0" eaLnBrk="1" latinLnBrk="0" hangingPunct="1">
+      <a:defRPr sz="1200" kern="1200">
+        <a:solidFill>
+          <a:schemeClr val="tx1"/>
+        </a:solidFill>
+        <a:latin typeface="+mn-lt"/>
+        <a:ea typeface="+mn-ea"/>
+        <a:cs typeface="+mn-cs"/>
+      </a:defRPr>
+    </a:lvl9pPr>
+  </p:notesStyle>
+</p:notesMaster>
+</file>
+
 <file path=ppt/slideLayouts/slideLayout1.xml><?xml version="1.0" encoding="utf-8"?>
 <p:sldLayout xmlns:a="http://schemas.openxmlformats.org/drawingml/2006/main" xmlns:r="http://schemas.openxmlformats.org/officeDocument/2006/relationships" xmlns:p="http://schemas.openxmlformats.org/presentationml/2006/main" type="title" preserve="1">
   <p:cSld name="Diapositive de titre">
@@ -305,7 +658,7 @@
           <a:bodyPr/>
           <a:lstStyle/>
           <a:p>
-            <a:fld id="{F64588FF-CF0C-4357-86C7-9072FB7746FA}" type="datetimeFigureOut">
+            <a:fld id="{743E5644-F13D-4174-A53F-C3D74D9BA214}" type="datetime1">
               <a:rPr lang="fr-CH" smtClean="0"/>
               <a:t>12.04.2018</a:t>
             </a:fld>
@@ -328,6 +681,10 @@
           <a:bodyPr/>
           <a:lstStyle/>
           <a:p>
+            <a:r>
+              <a:rPr lang="fr-CH" smtClean="0"/>
+              <a:t>Dubas - Nguyen - I.FA-P3B - 12.04.2018</a:t>
+            </a:r>
             <a:endParaRPr lang="fr-CH"/>
           </a:p>
         </p:txBody>
@@ -643,7 +1000,7 @@
           <a:bodyPr/>
           <a:lstStyle/>
           <a:p>
-            <a:fld id="{F64588FF-CF0C-4357-86C7-9072FB7746FA}" type="datetimeFigureOut">
+            <a:fld id="{1D4D6EC0-786D-48AD-A0FB-562DAD2349CB}" type="datetime1">
               <a:rPr lang="fr-CH" smtClean="0"/>
               <a:t>12.04.2018</a:t>
             </a:fld>
@@ -666,6 +1023,10 @@
           <a:bodyPr/>
           <a:lstStyle/>
           <a:p>
+            <a:r>
+              <a:rPr lang="fr-CH" smtClean="0"/>
+              <a:t>Dubas - Nguyen - I.FA-P3B - 12.04.2018</a:t>
+            </a:r>
             <a:endParaRPr lang="fr-CH"/>
           </a:p>
         </p:txBody>
@@ -1044,7 +1405,7 @@
           <a:bodyPr/>
           <a:lstStyle/>
           <a:p>
-            <a:fld id="{F64588FF-CF0C-4357-86C7-9072FB7746FA}" type="datetimeFigureOut">
+            <a:fld id="{F38F12D1-A259-467C-BCEA-321B49956F5B}" type="datetime1">
               <a:rPr lang="fr-CH" smtClean="0"/>
               <a:t>12.04.2018</a:t>
             </a:fld>
@@ -1067,6 +1428,10 @@
           <a:bodyPr/>
           <a:lstStyle/>
           <a:p>
+            <a:r>
+              <a:rPr lang="fr-CH" smtClean="0"/>
+              <a:t>Dubas - Nguyen - I.FA-P3B - 12.04.2018</a:t>
+            </a:r>
             <a:endParaRPr lang="fr-CH"/>
           </a:p>
         </p:txBody>
@@ -1380,7 +1745,7 @@
           <a:bodyPr/>
           <a:lstStyle/>
           <a:p>
-            <a:fld id="{F64588FF-CF0C-4357-86C7-9072FB7746FA}" type="datetimeFigureOut">
+            <a:fld id="{15ACAF42-092A-44E7-A51C-CD9D9D46ABA0}" type="datetime1">
               <a:rPr lang="fr-CH" smtClean="0"/>
               <a:t>12.04.2018</a:t>
             </a:fld>
@@ -1403,6 +1768,10 @@
           <a:bodyPr/>
           <a:lstStyle/>
           <a:p>
+            <a:r>
+              <a:rPr lang="fr-CH" smtClean="0"/>
+              <a:t>Dubas - Nguyen - I.FA-P3B - 12.04.2018</a:t>
+            </a:r>
             <a:endParaRPr lang="fr-CH"/>
           </a:p>
         </p:txBody>
@@ -1700,7 +2069,7 @@
           <a:bodyPr/>
           <a:lstStyle/>
           <a:p>
-            <a:fld id="{F64588FF-CF0C-4357-86C7-9072FB7746FA}" type="datetimeFigureOut">
+            <a:fld id="{04B0A9CB-005C-4B5B-9ADE-073911B093E7}" type="datetime1">
               <a:rPr lang="fr-CH" smtClean="0"/>
               <a:t>12.04.2018</a:t>
             </a:fld>
@@ -1723,6 +2092,10 @@
           <a:bodyPr/>
           <a:lstStyle/>
           <a:p>
+            <a:r>
+              <a:rPr lang="fr-CH" smtClean="0"/>
+              <a:t>Dubas - Nguyen - I.FA-P3B - 12.04.2018</a:t>
+            </a:r>
             <a:endParaRPr lang="fr-CH"/>
           </a:p>
         </p:txBody>
@@ -2096,7 +2469,7 @@
           <a:bodyPr/>
           <a:lstStyle/>
           <a:p>
-            <a:fld id="{F64588FF-CF0C-4357-86C7-9072FB7746FA}" type="datetimeFigureOut">
+            <a:fld id="{61B69A6B-6357-4A60-93F2-012335DB725D}" type="datetime1">
               <a:rPr lang="fr-CH" smtClean="0"/>
               <a:t>12.04.2018</a:t>
             </a:fld>
@@ -2119,6 +2492,10 @@
           <a:bodyPr/>
           <a:lstStyle/>
           <a:p>
+            <a:r>
+              <a:rPr lang="fr-CH" smtClean="0"/>
+              <a:t>Dubas - Nguyen - I.FA-P3B - 12.04.2018</a:t>
+            </a:r>
             <a:endParaRPr lang="fr-CH"/>
           </a:p>
         </p:txBody>
@@ -2353,7 +2730,7 @@
           <a:bodyPr/>
           <a:lstStyle/>
           <a:p>
-            <a:fld id="{F64588FF-CF0C-4357-86C7-9072FB7746FA}" type="datetimeFigureOut">
+            <a:fld id="{1A5CA331-441A-4081-A0F5-B8B6EBF6DB3E}" type="datetime1">
               <a:rPr lang="fr-CH" smtClean="0"/>
               <a:t>12.04.2018</a:t>
             </a:fld>
@@ -2376,6 +2753,10 @@
           <a:bodyPr/>
           <a:lstStyle/>
           <a:p>
+            <a:r>
+              <a:rPr lang="fr-CH" smtClean="0"/>
+              <a:t>Dubas - Nguyen - I.FA-P3B - 12.04.2018</a:t>
+            </a:r>
             <a:endParaRPr lang="fr-CH"/>
           </a:p>
         </p:txBody>
@@ -2615,7 +2996,7 @@
           <a:bodyPr/>
           <a:lstStyle/>
           <a:p>
-            <a:fld id="{F64588FF-CF0C-4357-86C7-9072FB7746FA}" type="datetimeFigureOut">
+            <a:fld id="{2B2E1FC7-4E71-44DA-A733-8018AE1F8F74}" type="datetime1">
               <a:rPr lang="fr-CH" smtClean="0"/>
               <a:t>12.04.2018</a:t>
             </a:fld>
@@ -2638,6 +3019,10 @@
           <a:bodyPr/>
           <a:lstStyle/>
           <a:p>
+            <a:r>
+              <a:rPr lang="fr-CH" smtClean="0"/>
+              <a:t>Dubas - Nguyen - I.FA-P3B - 12.04.2018</a:t>
+            </a:r>
             <a:endParaRPr lang="fr-CH"/>
           </a:p>
         </p:txBody>
@@ -2877,7 +3262,7 @@
           <a:bodyPr/>
           <a:lstStyle/>
           <a:p>
-            <a:fld id="{F64588FF-CF0C-4357-86C7-9072FB7746FA}" type="datetimeFigureOut">
+            <a:fld id="{88DC55E7-ACDF-410F-A239-73C88924B2C6}" type="datetime1">
               <a:rPr lang="fr-CH" smtClean="0"/>
               <a:t>12.04.2018</a:t>
             </a:fld>
@@ -2900,6 +3285,10 @@
           <a:bodyPr/>
           <a:lstStyle/>
           <a:p>
+            <a:r>
+              <a:rPr lang="fr-CH" smtClean="0"/>
+              <a:t>Dubas - Nguyen - I.FA-P3B - 12.04.2018</a:t>
+            </a:r>
             <a:endParaRPr lang="fr-CH"/>
           </a:p>
         </p:txBody>
@@ -3206,7 +3595,7 @@
           <a:bodyPr/>
           <a:lstStyle/>
           <a:p>
-            <a:fld id="{F64588FF-CF0C-4357-86C7-9072FB7746FA}" type="datetimeFigureOut">
+            <a:fld id="{98319A06-A543-4DEA-9DA5-1D4907A10B1D}" type="datetime1">
               <a:rPr lang="fr-CH" smtClean="0"/>
               <a:t>12.04.2018</a:t>
             </a:fld>
@@ -3229,6 +3618,10 @@
           <a:bodyPr/>
           <a:lstStyle/>
           <a:p>
+            <a:r>
+              <a:rPr lang="fr-CH" smtClean="0"/>
+              <a:t>Dubas - Nguyen - I.FA-P3B - 12.04.2018</a:t>
+            </a:r>
             <a:endParaRPr lang="fr-CH"/>
           </a:p>
         </p:txBody>
@@ -3529,7 +3922,7 @@
           <a:bodyPr/>
           <a:lstStyle/>
           <a:p>
-            <a:fld id="{F64588FF-CF0C-4357-86C7-9072FB7746FA}" type="datetimeFigureOut">
+            <a:fld id="{D3E1CDF3-F796-4DAD-950F-EEF0AD2787C9}" type="datetime1">
               <a:rPr lang="fr-CH" smtClean="0"/>
               <a:t>12.04.2018</a:t>
             </a:fld>
@@ -3552,6 +3945,10 @@
           <a:bodyPr/>
           <a:lstStyle/>
           <a:p>
+            <a:r>
+              <a:rPr lang="fr-CH" smtClean="0"/>
+              <a:t>Dubas - Nguyen - I.FA-P3B - 12.04.2018</a:t>
+            </a:r>
             <a:endParaRPr lang="fr-CH"/>
           </a:p>
         </p:txBody>
@@ -3986,7 +4383,7 @@
           <a:bodyPr/>
           <a:lstStyle/>
           <a:p>
-            <a:fld id="{F64588FF-CF0C-4357-86C7-9072FB7746FA}" type="datetimeFigureOut">
+            <a:fld id="{00D3A6B8-D9DD-4CD7-940E-B593F98133C2}" type="datetime1">
               <a:rPr lang="fr-CH" smtClean="0"/>
               <a:t>12.04.2018</a:t>
             </a:fld>
@@ -4009,6 +4406,10 @@
           <a:bodyPr/>
           <a:lstStyle/>
           <a:p>
+            <a:r>
+              <a:rPr lang="fr-CH" smtClean="0"/>
+              <a:t>Dubas - Nguyen - I.FA-P3B - 12.04.2018</a:t>
+            </a:r>
             <a:endParaRPr lang="fr-CH"/>
           </a:p>
         </p:txBody>
@@ -4191,7 +4592,7 @@
           <a:bodyPr/>
           <a:lstStyle/>
           <a:p>
-            <a:fld id="{F64588FF-CF0C-4357-86C7-9072FB7746FA}" type="datetimeFigureOut">
+            <a:fld id="{B73FA3A9-FE7D-410F-BE0B-709CAC9EB44D}" type="datetime1">
               <a:rPr lang="fr-CH" smtClean="0"/>
               <a:t>12.04.2018</a:t>
             </a:fld>
@@ -4214,6 +4615,10 @@
           <a:bodyPr/>
           <a:lstStyle/>
           <a:p>
+            <a:r>
+              <a:rPr lang="fr-CH" smtClean="0"/>
+              <a:t>Dubas - Nguyen - I.FA-P3B - 12.04.2018</a:t>
+            </a:r>
             <a:endParaRPr lang="fr-CH"/>
           </a:p>
         </p:txBody>
@@ -4368,7 +4773,7 @@
           <a:bodyPr/>
           <a:lstStyle/>
           <a:p>
-            <a:fld id="{F64588FF-CF0C-4357-86C7-9072FB7746FA}" type="datetimeFigureOut">
+            <a:fld id="{8BABF103-E9F0-4995-BE30-6C49C26662B4}" type="datetime1">
               <a:rPr lang="fr-CH" smtClean="0"/>
               <a:t>12.04.2018</a:t>
             </a:fld>
@@ -4391,6 +4796,10 @@
           <a:bodyPr/>
           <a:lstStyle/>
           <a:p>
+            <a:r>
+              <a:rPr lang="fr-CH" smtClean="0"/>
+              <a:t>Dubas - Nguyen - I.FA-P3B - 12.04.2018</a:t>
+            </a:r>
             <a:endParaRPr lang="fr-CH"/>
           </a:p>
         </p:txBody>
@@ -4701,7 +5110,7 @@
           <a:bodyPr/>
           <a:lstStyle/>
           <a:p>
-            <a:fld id="{F64588FF-CF0C-4357-86C7-9072FB7746FA}" type="datetimeFigureOut">
+            <a:fld id="{8FE308F9-B29A-4778-87E6-EE798C632364}" type="datetime1">
               <a:rPr lang="fr-CH" smtClean="0"/>
               <a:t>12.04.2018</a:t>
             </a:fld>
@@ -4724,6 +5133,10 @@
           <a:bodyPr/>
           <a:lstStyle/>
           <a:p>
+            <a:r>
+              <a:rPr lang="fr-CH" smtClean="0"/>
+              <a:t>Dubas - Nguyen - I.FA-P3B - 12.04.2018</a:t>
+            </a:r>
             <a:endParaRPr lang="fr-CH"/>
           </a:p>
         </p:txBody>
@@ -5046,7 +5459,7 @@
           <a:bodyPr/>
           <a:lstStyle/>
           <a:p>
-            <a:fld id="{F64588FF-CF0C-4357-86C7-9072FB7746FA}" type="datetimeFigureOut">
+            <a:fld id="{9293C53F-2AEC-4D4D-9041-E474B9934066}" type="datetime1">
               <a:rPr lang="fr-CH" smtClean="0"/>
               <a:t>12.04.2018</a:t>
             </a:fld>
@@ -5069,6 +5482,10 @@
           <a:bodyPr/>
           <a:lstStyle/>
           <a:p>
+            <a:r>
+              <a:rPr lang="fr-CH" smtClean="0"/>
+              <a:t>Dubas - Nguyen - I.FA-P3B - 12.04.2018</a:t>
+            </a:r>
             <a:endParaRPr lang="fr-CH"/>
           </a:p>
         </p:txBody>
@@ -7163,7 +7580,7 @@
             </a:lvl1pPr>
           </a:lstStyle>
           <a:p>
-            <a:fld id="{F64588FF-CF0C-4357-86C7-9072FB7746FA}" type="datetimeFigureOut">
+            <a:fld id="{721760BB-8DB8-4C86-AEDF-21EB644B35B8}" type="datetime1">
               <a:rPr lang="fr-CH" smtClean="0"/>
               <a:t>12.04.2018</a:t>
             </a:fld>
@@ -7204,6 +7621,10 @@
             </a:lvl1pPr>
           </a:lstStyle>
           <a:p>
+            <a:r>
+              <a:rPr lang="fr-CH" smtClean="0"/>
+              <a:t>Dubas - Nguyen - I.FA-P3B - 12.04.2018</a:t>
+            </a:r>
             <a:endParaRPr lang="fr-CH"/>
           </a:p>
         </p:txBody>
@@ -7273,6 +7694,7 @@
     <p:sldLayoutId id="2147483675" r:id="rId15"/>
     <p:sldLayoutId id="2147483676" r:id="rId16"/>
   </p:sldLayoutIdLst>
+  <p:hf hdr="0" dt="0"/>
   <p:txStyles>
     <p:titleStyle>
       <a:lvl1pPr algn="l" defTabSz="457200" rtl="0" eaLnBrk="1" latinLnBrk="0" hangingPunct="1">
@@ -7751,6 +8173,13 @@
   <p:clrMapOvr>
     <a:masterClrMapping/>
   </p:clrMapOvr>
+  <p:timing>
+    <p:tnLst>
+      <p:par>
+        <p:cTn id="1" dur="indefinite" restart="never" nodeType="tmRoot"/>
+      </p:par>
+    </p:tnLst>
+  </p:timing>
 </p:sld>
 </file>
 
@@ -7818,11 +8247,7 @@
             </a:pPr>
             <a:r>
               <a:rPr lang="fr-CH" dirty="0" smtClean="0"/>
-              <a:t>Solutions </a:t>
-            </a:r>
-            <a:r>
-              <a:rPr lang="fr-CH" dirty="0" smtClean="0"/>
-              <a:t>existantes</a:t>
+              <a:t>Solutions existantes</a:t>
             </a:r>
           </a:p>
           <a:p>
@@ -7835,7 +8260,6 @@
               <a:rPr lang="fr-CH" dirty="0" smtClean="0"/>
               <a:t>Logiciels utilisés</a:t>
             </a:r>
-            <a:endParaRPr lang="fr-CH" dirty="0" smtClean="0"/>
           </a:p>
           <a:p>
             <a:pPr>
@@ -7888,6 +8312,52 @@
               </a:lnSpc>
             </a:pPr>
             <a:endParaRPr lang="fr-CH" dirty="0"/>
+          </a:p>
+        </p:txBody>
+      </p:sp>
+      <p:sp>
+        <p:nvSpPr>
+          <p:cNvPr id="4" name="Espace réservé du pied de page 3"/>
+          <p:cNvSpPr>
+            <a:spLocks noGrp="1"/>
+          </p:cNvSpPr>
+          <p:nvPr>
+            <p:ph type="ftr" sz="quarter" idx="11"/>
+          </p:nvPr>
+        </p:nvSpPr>
+        <p:spPr/>
+        <p:txBody>
+          <a:bodyPr/>
+          <a:lstStyle/>
+          <a:p>
+            <a:r>
+              <a:rPr lang="fr-CH" smtClean="0"/>
+              <a:t>Dubas - Nguyen - I.FA-P3B - 12.04.2018</a:t>
+            </a:r>
+            <a:endParaRPr lang="fr-CH"/>
+          </a:p>
+        </p:txBody>
+      </p:sp>
+      <p:sp>
+        <p:nvSpPr>
+          <p:cNvPr id="5" name="Espace réservé du numéro de diapositive 4"/>
+          <p:cNvSpPr>
+            <a:spLocks noGrp="1"/>
+          </p:cNvSpPr>
+          <p:nvPr>
+            <p:ph type="sldNum" sz="quarter" idx="12"/>
+          </p:nvPr>
+        </p:nvSpPr>
+        <p:spPr/>
+        <p:txBody>
+          <a:bodyPr/>
+          <a:lstStyle/>
+          <a:p>
+            <a:fld id="{B6429107-FF24-4A68-AF52-9DCDA732B7E8}" type="slidenum">
+              <a:rPr lang="fr-CH" smtClean="0"/>
+              <a:t>1</a:t>
+            </a:fld>
+            <a:endParaRPr lang="fr-CH"/>
           </a:p>
         </p:txBody>
       </p:sp>
@@ -7901,6 +8371,13 @@
   <p:clrMapOvr>
     <a:masterClrMapping/>
   </p:clrMapOvr>
+  <p:timing>
+    <p:tnLst>
+      <p:par>
+        <p:cTn id="1" dur="indefinite" restart="never" nodeType="tmRoot"/>
+      </p:par>
+    </p:tnLst>
+  </p:timing>
 </p:sld>
 </file>
 
@@ -8108,6 +8585,52 @@
           </a:prstGeom>
         </p:spPr>
       </p:pic>
+      <p:sp>
+        <p:nvSpPr>
+          <p:cNvPr id="7" name="Espace réservé du pied de page 6"/>
+          <p:cNvSpPr>
+            <a:spLocks noGrp="1"/>
+          </p:cNvSpPr>
+          <p:nvPr>
+            <p:ph type="ftr" sz="quarter" idx="11"/>
+          </p:nvPr>
+        </p:nvSpPr>
+        <p:spPr/>
+        <p:txBody>
+          <a:bodyPr/>
+          <a:lstStyle/>
+          <a:p>
+            <a:r>
+              <a:rPr lang="fr-CH" smtClean="0"/>
+              <a:t>Dubas - Nguyen - I.FA-P3B - 12.04.2018</a:t>
+            </a:r>
+            <a:endParaRPr lang="fr-CH"/>
+          </a:p>
+        </p:txBody>
+      </p:sp>
+      <p:sp>
+        <p:nvSpPr>
+          <p:cNvPr id="8" name="Espace réservé du numéro de diapositive 7"/>
+          <p:cNvSpPr>
+            <a:spLocks noGrp="1"/>
+          </p:cNvSpPr>
+          <p:nvPr>
+            <p:ph type="sldNum" sz="quarter" idx="12"/>
+          </p:nvPr>
+        </p:nvSpPr>
+        <p:spPr/>
+        <p:txBody>
+          <a:bodyPr/>
+          <a:lstStyle/>
+          <a:p>
+            <a:fld id="{B6429107-FF24-4A68-AF52-9DCDA732B7E8}" type="slidenum">
+              <a:rPr lang="fr-CH" smtClean="0"/>
+              <a:t>2</a:t>
+            </a:fld>
+            <a:endParaRPr lang="fr-CH"/>
+          </a:p>
+        </p:txBody>
+      </p:sp>
     </p:spTree>
     <p:extLst>
       <p:ext uri="{BB962C8B-B14F-4D97-AF65-F5344CB8AC3E}">
@@ -8118,6 +8641,13 @@
   <p:clrMapOvr>
     <a:masterClrMapping/>
   </p:clrMapOvr>
+  <p:timing>
+    <p:tnLst>
+      <p:par>
+        <p:cTn id="1" dur="indefinite" restart="never" nodeType="tmRoot"/>
+      </p:par>
+    </p:tnLst>
+  </p:timing>
 </p:sld>
 </file>
 
@@ -8346,6 +8876,52 @@
           </a:prstGeom>
         </p:spPr>
       </p:pic>
+      <p:sp>
+        <p:nvSpPr>
+          <p:cNvPr id="8" name="Espace réservé du pied de page 7"/>
+          <p:cNvSpPr>
+            <a:spLocks noGrp="1"/>
+          </p:cNvSpPr>
+          <p:nvPr>
+            <p:ph type="ftr" sz="quarter" idx="11"/>
+          </p:nvPr>
+        </p:nvSpPr>
+        <p:spPr/>
+        <p:txBody>
+          <a:bodyPr/>
+          <a:lstStyle/>
+          <a:p>
+            <a:r>
+              <a:rPr lang="fr-CH" smtClean="0"/>
+              <a:t>Dubas - Nguyen - I.FA-P3B - 12.04.2018</a:t>
+            </a:r>
+            <a:endParaRPr lang="fr-CH"/>
+          </a:p>
+        </p:txBody>
+      </p:sp>
+      <p:sp>
+        <p:nvSpPr>
+          <p:cNvPr id="9" name="Espace réservé du numéro de diapositive 8"/>
+          <p:cNvSpPr>
+            <a:spLocks noGrp="1"/>
+          </p:cNvSpPr>
+          <p:nvPr>
+            <p:ph type="sldNum" sz="quarter" idx="12"/>
+          </p:nvPr>
+        </p:nvSpPr>
+        <p:spPr/>
+        <p:txBody>
+          <a:bodyPr/>
+          <a:lstStyle/>
+          <a:p>
+            <a:fld id="{B6429107-FF24-4A68-AF52-9DCDA732B7E8}" type="slidenum">
+              <a:rPr lang="fr-CH" smtClean="0"/>
+              <a:t>3</a:t>
+            </a:fld>
+            <a:endParaRPr lang="fr-CH"/>
+          </a:p>
+        </p:txBody>
+      </p:sp>
     </p:spTree>
     <p:extLst>
       <p:ext uri="{BB962C8B-B14F-4D97-AF65-F5344CB8AC3E}">
@@ -8356,6 +8932,13 @@
   <p:clrMapOvr>
     <a:masterClrMapping/>
   </p:clrMapOvr>
+  <p:timing>
+    <p:tnLst>
+      <p:par>
+        <p:cTn id="1" dur="indefinite" restart="never" nodeType="tmRoot"/>
+      </p:par>
+    </p:tnLst>
+  </p:timing>
 </p:sld>
 </file>
 
@@ -8409,7 +8992,12 @@
             <p:ph idx="1"/>
           </p:nvPr>
         </p:nvSpPr>
-        <p:spPr/>
+        <p:spPr>
+          <a:xfrm>
+            <a:off x="888428" y="1905000"/>
+            <a:ext cx="4605067" cy="3777622"/>
+          </a:xfrm>
+        </p:spPr>
         <p:txBody>
           <a:bodyPr/>
           <a:lstStyle/>
@@ -8432,7 +9020,15 @@
             </a:pPr>
             <a:r>
               <a:rPr lang="fr-CH" dirty="0" smtClean="0"/>
-              <a:t>Ajouter des utilisateurs à notre clan</a:t>
+              <a:t>Ajouter des utilisateurs </a:t>
+            </a:r>
+            <a:r>
+              <a:rPr lang="fr-CH" dirty="0" smtClean="0"/>
+              <a:t>à notre </a:t>
+            </a:r>
+            <a:r>
+              <a:rPr lang="fr-CH" dirty="0" smtClean="0"/>
+              <a:t>clan</a:t>
             </a:r>
           </a:p>
           <a:p>
@@ -8457,6 +9053,82 @@
               <a:t>Consulter l’humeur des autres membres du clan</a:t>
             </a:r>
             <a:endParaRPr lang="fr-CH" dirty="0"/>
+          </a:p>
+        </p:txBody>
+      </p:sp>
+      <p:pic>
+        <p:nvPicPr>
+          <p:cNvPr id="4" name="Image 3"/>
+          <p:cNvPicPr>
+            <a:picLocks noChangeAspect="1"/>
+          </p:cNvPicPr>
+          <p:nvPr/>
+        </p:nvPicPr>
+        <p:blipFill>
+          <a:blip r:embed="rId2">
+            <a:extLst>
+              <a:ext uri="{28A0092B-C50C-407E-A947-70E740481C1C}">
+                <a14:useLocalDpi xmlns:a14="http://schemas.microsoft.com/office/drawing/2010/main" val="0"/>
+              </a:ext>
+            </a:extLst>
+          </a:blip>
+          <a:stretch>
+            <a:fillRect/>
+          </a:stretch>
+        </p:blipFill>
+        <p:spPr>
+          <a:xfrm>
+            <a:off x="5493495" y="2469272"/>
+            <a:ext cx="6011117" cy="2649077"/>
+          </a:xfrm>
+          <a:prstGeom prst="rect">
+            <a:avLst/>
+          </a:prstGeom>
+        </p:spPr>
+      </p:pic>
+      <p:sp>
+        <p:nvSpPr>
+          <p:cNvPr id="5" name="Espace réservé du pied de page 4"/>
+          <p:cNvSpPr>
+            <a:spLocks noGrp="1"/>
+          </p:cNvSpPr>
+          <p:nvPr>
+            <p:ph type="ftr" sz="quarter" idx="11"/>
+          </p:nvPr>
+        </p:nvSpPr>
+        <p:spPr/>
+        <p:txBody>
+          <a:bodyPr/>
+          <a:lstStyle/>
+          <a:p>
+            <a:r>
+              <a:rPr lang="fr-CH" smtClean="0"/>
+              <a:t>Dubas - Nguyen - I.FA-P3B - 12.04.2018</a:t>
+            </a:r>
+            <a:endParaRPr lang="fr-CH"/>
+          </a:p>
+        </p:txBody>
+      </p:sp>
+      <p:sp>
+        <p:nvSpPr>
+          <p:cNvPr id="6" name="Espace réservé du numéro de diapositive 5"/>
+          <p:cNvSpPr>
+            <a:spLocks noGrp="1"/>
+          </p:cNvSpPr>
+          <p:nvPr>
+            <p:ph type="sldNum" sz="quarter" idx="12"/>
+          </p:nvPr>
+        </p:nvSpPr>
+        <p:spPr/>
+        <p:txBody>
+          <a:bodyPr/>
+          <a:lstStyle/>
+          <a:p>
+            <a:fld id="{B6429107-FF24-4A68-AF52-9DCDA732B7E8}" type="slidenum">
+              <a:rPr lang="fr-CH" smtClean="0"/>
+              <a:t>4</a:t>
+            </a:fld>
+            <a:endParaRPr lang="fr-CH"/>
           </a:p>
         </p:txBody>
       </p:sp>
@@ -8470,6 +9142,13 @@
   <p:clrMapOvr>
     <a:masterClrMapping/>
   </p:clrMapOvr>
+  <p:timing>
+    <p:tnLst>
+      <p:par>
+        <p:cTn id="1" dur="indefinite" restart="never" nodeType="tmRoot"/>
+      </p:par>
+    </p:tnLst>
+  </p:timing>
 </p:sld>
 </file>
 
@@ -8520,6 +9199,52 @@
           </a:p>
         </p:txBody>
       </p:sp>
+      <p:sp>
+        <p:nvSpPr>
+          <p:cNvPr id="3" name="Espace réservé du pied de page 2"/>
+          <p:cNvSpPr>
+            <a:spLocks noGrp="1"/>
+          </p:cNvSpPr>
+          <p:nvPr>
+            <p:ph type="ftr" sz="quarter" idx="11"/>
+          </p:nvPr>
+        </p:nvSpPr>
+        <p:spPr/>
+        <p:txBody>
+          <a:bodyPr/>
+          <a:lstStyle/>
+          <a:p>
+            <a:r>
+              <a:rPr lang="fr-CH" smtClean="0"/>
+              <a:t>Dubas - Nguyen - I.FA-P3B - 12.04.2018</a:t>
+            </a:r>
+            <a:endParaRPr lang="fr-CH"/>
+          </a:p>
+        </p:txBody>
+      </p:sp>
+      <p:sp>
+        <p:nvSpPr>
+          <p:cNvPr id="4" name="Espace réservé du numéro de diapositive 3"/>
+          <p:cNvSpPr>
+            <a:spLocks noGrp="1"/>
+          </p:cNvSpPr>
+          <p:nvPr>
+            <p:ph type="sldNum" sz="quarter" idx="12"/>
+          </p:nvPr>
+        </p:nvSpPr>
+        <p:spPr/>
+        <p:txBody>
+          <a:bodyPr/>
+          <a:lstStyle/>
+          <a:p>
+            <a:fld id="{B6429107-FF24-4A68-AF52-9DCDA732B7E8}" type="slidenum">
+              <a:rPr lang="fr-CH" smtClean="0"/>
+              <a:t>5</a:t>
+            </a:fld>
+            <a:endParaRPr lang="fr-CH"/>
+          </a:p>
+        </p:txBody>
+      </p:sp>
     </p:spTree>
     <p:extLst>
       <p:ext uri="{BB962C8B-B14F-4D97-AF65-F5344CB8AC3E}">
@@ -8530,6 +9255,13 @@
   <p:clrMapOvr>
     <a:masterClrMapping/>
   </p:clrMapOvr>
+  <p:timing>
+    <p:tnLst>
+      <p:par>
+        <p:cTn id="1" dur="indefinite" restart="never" nodeType="tmRoot"/>
+      </p:par>
+    </p:tnLst>
+  </p:timing>
 </p:sld>
 </file>
 
@@ -8612,6 +9344,52 @@
           </a:p>
         </p:txBody>
       </p:sp>
+      <p:sp>
+        <p:nvSpPr>
+          <p:cNvPr id="4" name="Espace réservé du pied de page 3"/>
+          <p:cNvSpPr>
+            <a:spLocks noGrp="1"/>
+          </p:cNvSpPr>
+          <p:nvPr>
+            <p:ph type="ftr" sz="quarter" idx="11"/>
+          </p:nvPr>
+        </p:nvSpPr>
+        <p:spPr/>
+        <p:txBody>
+          <a:bodyPr/>
+          <a:lstStyle/>
+          <a:p>
+            <a:r>
+              <a:rPr lang="fr-CH" smtClean="0"/>
+              <a:t>Dubas - Nguyen - I.FA-P3B - 12.04.2018</a:t>
+            </a:r>
+            <a:endParaRPr lang="fr-CH"/>
+          </a:p>
+        </p:txBody>
+      </p:sp>
+      <p:sp>
+        <p:nvSpPr>
+          <p:cNvPr id="5" name="Espace réservé du numéro de diapositive 4"/>
+          <p:cNvSpPr>
+            <a:spLocks noGrp="1"/>
+          </p:cNvSpPr>
+          <p:nvPr>
+            <p:ph type="sldNum" sz="quarter" idx="12"/>
+          </p:nvPr>
+        </p:nvSpPr>
+        <p:spPr/>
+        <p:txBody>
+          <a:bodyPr/>
+          <a:lstStyle/>
+          <a:p>
+            <a:fld id="{B6429107-FF24-4A68-AF52-9DCDA732B7E8}" type="slidenum">
+              <a:rPr lang="fr-CH" smtClean="0"/>
+              <a:t>6</a:t>
+            </a:fld>
+            <a:endParaRPr lang="fr-CH"/>
+          </a:p>
+        </p:txBody>
+      </p:sp>
     </p:spTree>
     <p:extLst>
       <p:ext uri="{BB962C8B-B14F-4D97-AF65-F5344CB8AC3E}">
@@ -8622,6 +9400,13 @@
   <p:clrMapOvr>
     <a:masterClrMapping/>
   </p:clrMapOvr>
+  <p:timing>
+    <p:tnLst>
+      <p:par>
+        <p:cTn id="1" dur="indefinite" restart="never" nodeType="tmRoot"/>
+      </p:par>
+    </p:tnLst>
+  </p:timing>
 </p:sld>
 </file>
 
@@ -8672,6 +9457,52 @@
           </a:p>
         </p:txBody>
       </p:sp>
+      <p:sp>
+        <p:nvSpPr>
+          <p:cNvPr id="3" name="Espace réservé du pied de page 2"/>
+          <p:cNvSpPr>
+            <a:spLocks noGrp="1"/>
+          </p:cNvSpPr>
+          <p:nvPr>
+            <p:ph type="ftr" sz="quarter" idx="11"/>
+          </p:nvPr>
+        </p:nvSpPr>
+        <p:spPr/>
+        <p:txBody>
+          <a:bodyPr/>
+          <a:lstStyle/>
+          <a:p>
+            <a:r>
+              <a:rPr lang="fr-CH" smtClean="0"/>
+              <a:t>Dubas - Nguyen - I.FA-P3B - 12.04.2018</a:t>
+            </a:r>
+            <a:endParaRPr lang="fr-CH"/>
+          </a:p>
+        </p:txBody>
+      </p:sp>
+      <p:sp>
+        <p:nvSpPr>
+          <p:cNvPr id="4" name="Espace réservé du numéro de diapositive 3"/>
+          <p:cNvSpPr>
+            <a:spLocks noGrp="1"/>
+          </p:cNvSpPr>
+          <p:nvPr>
+            <p:ph type="sldNum" sz="quarter" idx="12"/>
+          </p:nvPr>
+        </p:nvSpPr>
+        <p:spPr/>
+        <p:txBody>
+          <a:bodyPr/>
+          <a:lstStyle/>
+          <a:p>
+            <a:fld id="{B6429107-FF24-4A68-AF52-9DCDA732B7E8}" type="slidenum">
+              <a:rPr lang="fr-CH" smtClean="0"/>
+              <a:t>7</a:t>
+            </a:fld>
+            <a:endParaRPr lang="fr-CH"/>
+          </a:p>
+        </p:txBody>
+      </p:sp>
     </p:spTree>
     <p:extLst>
       <p:ext uri="{BB962C8B-B14F-4D97-AF65-F5344CB8AC3E}">
@@ -8682,6 +9513,13 @@
   <p:clrMapOvr>
     <a:masterClrMapping/>
   </p:clrMapOvr>
+  <p:timing>
+    <p:tnLst>
+      <p:par>
+        <p:cTn id="1" dur="indefinite" restart="never" nodeType="tmRoot"/>
+      </p:par>
+    </p:tnLst>
+  </p:timing>
 </p:sld>
 </file>
 
@@ -8926,4 +9764,265 @@
     </a:ext>
   </a:extLst>
 </a:theme>
+</file>
+
+<file path=ppt/theme/theme2.xml><?xml version="1.0" encoding="utf-8"?>
+<a:theme xmlns:a="http://schemas.openxmlformats.org/drawingml/2006/main" name="Thème Office">
+  <a:themeElements>
+    <a:clrScheme name="Office">
+      <a:dk1>
+        <a:sysClr val="windowText" lastClr="000000"/>
+      </a:dk1>
+      <a:lt1>
+        <a:sysClr val="window" lastClr="FFFFFF"/>
+      </a:lt1>
+      <a:dk2>
+        <a:srgbClr val="44546A"/>
+      </a:dk2>
+      <a:lt2>
+        <a:srgbClr val="E7E6E6"/>
+      </a:lt2>
+      <a:accent1>
+        <a:srgbClr val="5B9BD5"/>
+      </a:accent1>
+      <a:accent2>
+        <a:srgbClr val="ED7D31"/>
+      </a:accent2>
+      <a:accent3>
+        <a:srgbClr val="A5A5A5"/>
+      </a:accent3>
+      <a:accent4>
+        <a:srgbClr val="FFC000"/>
+      </a:accent4>
+      <a:accent5>
+        <a:srgbClr val="4472C4"/>
+      </a:accent5>
+      <a:accent6>
+        <a:srgbClr val="70AD47"/>
+      </a:accent6>
+      <a:hlink>
+        <a:srgbClr val="0563C1"/>
+      </a:hlink>
+      <a:folHlink>
+        <a:srgbClr val="954F72"/>
+      </a:folHlink>
+    </a:clrScheme>
+    <a:fontScheme name="Office">
+      <a:majorFont>
+        <a:latin typeface="Calibri Light" panose="020F0302020204030204"/>
+        <a:ea typeface=""/>
+        <a:cs typeface=""/>
+        <a:font script="Jpan" typeface="游ゴシック Light"/>
+        <a:font script="Hang" typeface="맑은 고딕"/>
+        <a:font script="Hans" typeface="等线 Light"/>
+        <a:font script="Hant" typeface="新細明體"/>
+        <a:font script="Arab" typeface="Times New Roman"/>
+        <a:font script="Hebr" typeface="Times New Roman"/>
+        <a:font script="Thai" typeface="Angsana New"/>
+        <a:font script="Ethi" typeface="Nyala"/>
+        <a:font script="Beng" typeface="Vrinda"/>
+        <a:font script="Gujr" typeface="Shruti"/>
+        <a:font script="Khmr" typeface="MoolBoran"/>
+        <a:font script="Knda" typeface="Tunga"/>
+        <a:font script="Guru" typeface="Raavi"/>
+        <a:font script="Cans" typeface="Euphemia"/>
+        <a:font script="Cher" typeface="Plantagenet Cherokee"/>
+        <a:font script="Yiii" typeface="Microsoft Yi Baiti"/>
+        <a:font script="Tibt" typeface="Microsoft Himalaya"/>
+        <a:font script="Thaa" typeface="MV Boli"/>
+        <a:font script="Deva" typeface="Mangal"/>
+        <a:font script="Telu" typeface="Gautami"/>
+        <a:font script="Taml" typeface="Latha"/>
+        <a:font script="Syrc" typeface="Estrangelo Edessa"/>
+        <a:font script="Orya" typeface="Kalinga"/>
+        <a:font script="Mlym" typeface="Kartika"/>
+        <a:font script="Laoo" typeface="DokChampa"/>
+        <a:font script="Sinh" typeface="Iskoola Pota"/>
+        <a:font script="Mong" typeface="Mongolian Baiti"/>
+        <a:font script="Viet" typeface="Times New Roman"/>
+        <a:font script="Uigh" typeface="Microsoft Uighur"/>
+        <a:font script="Geor" typeface="Sylfaen"/>
+      </a:majorFont>
+      <a:minorFont>
+        <a:latin typeface="Calibri" panose="020F0502020204030204"/>
+        <a:ea typeface=""/>
+        <a:cs typeface=""/>
+        <a:font script="Jpan" typeface="游ゴシック"/>
+        <a:font script="Hang" typeface="맑은 고딕"/>
+        <a:font script="Hans" typeface="等线"/>
+        <a:font script="Hant" typeface="新細明體"/>
+        <a:font script="Arab" typeface="Arial"/>
+        <a:font script="Hebr" typeface="Arial"/>
+        <a:font script="Thai" typeface="Cordia New"/>
+        <a:font script="Ethi" typeface="Nyala"/>
+        <a:font script="Beng" typeface="Vrinda"/>
+        <a:font script="Gujr" typeface="Shruti"/>
+        <a:font script="Khmr" typeface="DaunPenh"/>
+        <a:font script="Knda" typeface="Tunga"/>
+        <a:font script="Guru" typeface="Raavi"/>
+        <a:font script="Cans" typeface="Euphemia"/>
+        <a:font script="Cher" typeface="Plantagenet Cherokee"/>
+        <a:font script="Yiii" typeface="Microsoft Yi Baiti"/>
+        <a:font script="Tibt" typeface="Microsoft Himalaya"/>
+        <a:font script="Thaa" typeface="MV Boli"/>
+        <a:font script="Deva" typeface="Mangal"/>
+        <a:font script="Telu" typeface="Gautami"/>
+        <a:font script="Taml" typeface="Latha"/>
+        <a:font script="Syrc" typeface="Estrangelo Edessa"/>
+        <a:font script="Orya" typeface="Kalinga"/>
+        <a:font script="Mlym" typeface="Kartika"/>
+        <a:font script="Laoo" typeface="DokChampa"/>
+        <a:font script="Sinh" typeface="Iskoola Pota"/>
+        <a:font script="Mong" typeface="Mongolian Baiti"/>
+        <a:font script="Viet" typeface="Arial"/>
+        <a:font script="Uigh" typeface="Microsoft Uighur"/>
+        <a:font script="Geor" typeface="Sylfaen"/>
+      </a:minorFont>
+    </a:fontScheme>
+    <a:fmtScheme name="Office">
+      <a:fillStyleLst>
+        <a:solidFill>
+          <a:schemeClr val="phClr"/>
+        </a:solidFill>
+        <a:gradFill rotWithShape="1">
+          <a:gsLst>
+            <a:gs pos="0">
+              <a:schemeClr val="phClr">
+                <a:lumMod val="110000"/>
+                <a:satMod val="105000"/>
+                <a:tint val="67000"/>
+              </a:schemeClr>
+            </a:gs>
+            <a:gs pos="50000">
+              <a:schemeClr val="phClr">
+                <a:lumMod val="105000"/>
+                <a:satMod val="103000"/>
+                <a:tint val="73000"/>
+              </a:schemeClr>
+            </a:gs>
+            <a:gs pos="100000">
+              <a:schemeClr val="phClr">
+                <a:lumMod val="105000"/>
+                <a:satMod val="109000"/>
+                <a:tint val="81000"/>
+              </a:schemeClr>
+            </a:gs>
+          </a:gsLst>
+          <a:lin ang="5400000" scaled="0"/>
+        </a:gradFill>
+        <a:gradFill rotWithShape="1">
+          <a:gsLst>
+            <a:gs pos="0">
+              <a:schemeClr val="phClr">
+                <a:satMod val="103000"/>
+                <a:lumMod val="102000"/>
+                <a:tint val="94000"/>
+              </a:schemeClr>
+            </a:gs>
+            <a:gs pos="50000">
+              <a:schemeClr val="phClr">
+                <a:satMod val="110000"/>
+                <a:lumMod val="100000"/>
+                <a:shade val="100000"/>
+              </a:schemeClr>
+            </a:gs>
+            <a:gs pos="100000">
+              <a:schemeClr val="phClr">
+                <a:lumMod val="99000"/>
+                <a:satMod val="120000"/>
+                <a:shade val="78000"/>
+              </a:schemeClr>
+            </a:gs>
+          </a:gsLst>
+          <a:lin ang="5400000" scaled="0"/>
+        </a:gradFill>
+      </a:fillStyleLst>
+      <a:lnStyleLst>
+        <a:ln w="6350" cap="flat" cmpd="sng" algn="ctr">
+          <a:solidFill>
+            <a:schemeClr val="phClr"/>
+          </a:solidFill>
+          <a:prstDash val="solid"/>
+          <a:miter lim="800000"/>
+        </a:ln>
+        <a:ln w="12700" cap="flat" cmpd="sng" algn="ctr">
+          <a:solidFill>
+            <a:schemeClr val="phClr"/>
+          </a:solidFill>
+          <a:prstDash val="solid"/>
+          <a:miter lim="800000"/>
+        </a:ln>
+        <a:ln w="19050" cap="flat" cmpd="sng" algn="ctr">
+          <a:solidFill>
+            <a:schemeClr val="phClr"/>
+          </a:solidFill>
+          <a:prstDash val="solid"/>
+          <a:miter lim="800000"/>
+        </a:ln>
+      </a:lnStyleLst>
+      <a:effectStyleLst>
+        <a:effectStyle>
+          <a:effectLst/>
+        </a:effectStyle>
+        <a:effectStyle>
+          <a:effectLst/>
+        </a:effectStyle>
+        <a:effectStyle>
+          <a:effectLst>
+            <a:outerShdw blurRad="57150" dist="19050" dir="5400000" algn="ctr" rotWithShape="0">
+              <a:srgbClr val="000000">
+                <a:alpha val="63000"/>
+              </a:srgbClr>
+            </a:outerShdw>
+          </a:effectLst>
+        </a:effectStyle>
+      </a:effectStyleLst>
+      <a:bgFillStyleLst>
+        <a:solidFill>
+          <a:schemeClr val="phClr"/>
+        </a:solidFill>
+        <a:solidFill>
+          <a:schemeClr val="phClr">
+            <a:tint val="95000"/>
+            <a:satMod val="170000"/>
+          </a:schemeClr>
+        </a:solidFill>
+        <a:gradFill rotWithShape="1">
+          <a:gsLst>
+            <a:gs pos="0">
+              <a:schemeClr val="phClr">
+                <a:tint val="93000"/>
+                <a:satMod val="150000"/>
+                <a:shade val="98000"/>
+                <a:lumMod val="102000"/>
+              </a:schemeClr>
+            </a:gs>
+            <a:gs pos="50000">
+              <a:schemeClr val="phClr">
+                <a:tint val="98000"/>
+                <a:satMod val="130000"/>
+                <a:shade val="90000"/>
+                <a:lumMod val="103000"/>
+              </a:schemeClr>
+            </a:gs>
+            <a:gs pos="100000">
+              <a:schemeClr val="phClr">
+                <a:shade val="63000"/>
+                <a:satMod val="120000"/>
+              </a:schemeClr>
+            </a:gs>
+          </a:gsLst>
+          <a:lin ang="5400000" scaled="0"/>
+        </a:gradFill>
+      </a:bgFillStyleLst>
+    </a:fmtScheme>
+  </a:themeElements>
+  <a:objectDefaults/>
+  <a:extraClrSchemeLst/>
+  <a:extLst>
+    <a:ext uri="{05A4C25C-085E-4340-85A3-A5531E510DB2}">
+      <thm15:themeFamily xmlns:thm15="http://schemas.microsoft.com/office/thememl/2012/main" name="Office Theme" id="{62F939B6-93AF-4DB8-9C6B-D6C7DFDC589F}" vid="{4A3C46E8-61CC-4603-A589-7422A47A8E4A}"/>
+    </a:ext>
+  </a:extLst>
+</a:theme>
 </file>
--- a/presentation/presentation.pptx
+++ b/presentation/presentation.pptx
@@ -8754,6 +8754,18 @@
               <a:t>GitHub</a:t>
             </a:r>
           </a:p>
+          <a:p>
+            <a:pPr>
+              <a:lnSpc>
+                <a:spcPct val="200000"/>
+              </a:lnSpc>
+            </a:pPr>
+            <a:r>
+              <a:rPr lang="fr-CH" dirty="0" err="1" smtClean="0"/>
+              <a:t>Trello</a:t>
+            </a:r>
+            <a:endParaRPr lang="fr-CH" dirty="0" smtClean="0"/>
+          </a:p>
         </p:txBody>
       </p:sp>
       <p:pic>
@@ -8868,8 +8880,8 @@
         </p:blipFill>
         <p:spPr>
           <a:xfrm>
-            <a:off x="8431375" y="4939105"/>
-            <a:ext cx="1504124" cy="1504124"/>
+            <a:off x="5785285" y="4940540"/>
+            <a:ext cx="1560393" cy="1560393"/>
           </a:xfrm>
           <a:prstGeom prst="rect">
             <a:avLst/>
@@ -8922,6 +8934,36 @@
           </a:p>
         </p:txBody>
       </p:sp>
+      <p:pic>
+        <p:nvPicPr>
+          <p:cNvPr id="10" name="Image 9"/>
+          <p:cNvPicPr>
+            <a:picLocks noChangeAspect="1"/>
+          </p:cNvPicPr>
+          <p:nvPr/>
+        </p:nvPicPr>
+        <p:blipFill>
+          <a:blip r:embed="rId6">
+            <a:extLst>
+              <a:ext uri="{28A0092B-C50C-407E-A947-70E740481C1C}">
+                <a14:useLocalDpi xmlns:a14="http://schemas.microsoft.com/office/drawing/2010/main" val="0"/>
+              </a:ext>
+            </a:extLst>
+          </a:blip>
+          <a:stretch>
+            <a:fillRect/>
+          </a:stretch>
+        </p:blipFill>
+        <p:spPr>
+          <a:xfrm>
+            <a:off x="7981481" y="4935459"/>
+            <a:ext cx="3523131" cy="1122998"/>
+          </a:xfrm>
+          <a:prstGeom prst="rect">
+            <a:avLst/>
+          </a:prstGeom>
+        </p:spPr>
+      </p:pic>
     </p:spTree>
     <p:extLst>
       <p:ext uri="{BB962C8B-B14F-4D97-AF65-F5344CB8AC3E}">
@@ -9020,15 +9062,7 @@
             </a:pPr>
             <a:r>
               <a:rPr lang="fr-CH" dirty="0" smtClean="0"/>
-              <a:t>Ajouter des utilisateurs </a:t>
-            </a:r>
-            <a:r>
-              <a:rPr lang="fr-CH" dirty="0" smtClean="0"/>
-              <a:t>à notre </a:t>
-            </a:r>
-            <a:r>
-              <a:rPr lang="fr-CH" dirty="0" smtClean="0"/>
-              <a:t>clan</a:t>
+              <a:t>Ajouter des utilisateurs à notre clan</a:t>
             </a:r>
           </a:p>
           <a:p>
